--- a/graphics.pptx
+++ b/graphics.pptx
@@ -247,7 +247,7 @@
           <a:p>
             <a:fld id="{37EB6402-05E5-42B7-89F1-73D1DC343623}" type="datetimeFigureOut">
               <a:rPr lang="en-US" smtClean="0"/>
-              <a:t>8/19/2018</a:t>
+              <a:t>8/21/2018</a:t>
             </a:fld>
             <a:endParaRPr lang="en-US"/>
           </a:p>
@@ -417,7 +417,7 @@
           <a:p>
             <a:fld id="{37EB6402-05E5-42B7-89F1-73D1DC343623}" type="datetimeFigureOut">
               <a:rPr lang="en-US" smtClean="0"/>
-              <a:t>8/19/2018</a:t>
+              <a:t>8/21/2018</a:t>
             </a:fld>
             <a:endParaRPr lang="en-US"/>
           </a:p>
@@ -597,7 +597,7 @@
           <a:p>
             <a:fld id="{37EB6402-05E5-42B7-89F1-73D1DC343623}" type="datetimeFigureOut">
               <a:rPr lang="en-US" smtClean="0"/>
-              <a:t>8/19/2018</a:t>
+              <a:t>8/21/2018</a:t>
             </a:fld>
             <a:endParaRPr lang="en-US"/>
           </a:p>
@@ -767,7 +767,7 @@
           <a:p>
             <a:fld id="{37EB6402-05E5-42B7-89F1-73D1DC343623}" type="datetimeFigureOut">
               <a:rPr lang="en-US" smtClean="0"/>
-              <a:t>8/19/2018</a:t>
+              <a:t>8/21/2018</a:t>
             </a:fld>
             <a:endParaRPr lang="en-US"/>
           </a:p>
@@ -1013,7 +1013,7 @@
           <a:p>
             <a:fld id="{37EB6402-05E5-42B7-89F1-73D1DC343623}" type="datetimeFigureOut">
               <a:rPr lang="en-US" smtClean="0"/>
-              <a:t>8/19/2018</a:t>
+              <a:t>8/21/2018</a:t>
             </a:fld>
             <a:endParaRPr lang="en-US"/>
           </a:p>
@@ -1245,7 +1245,7 @@
           <a:p>
             <a:fld id="{37EB6402-05E5-42B7-89F1-73D1DC343623}" type="datetimeFigureOut">
               <a:rPr lang="en-US" smtClean="0"/>
-              <a:t>8/19/2018</a:t>
+              <a:t>8/21/2018</a:t>
             </a:fld>
             <a:endParaRPr lang="en-US"/>
           </a:p>
@@ -1612,7 +1612,7 @@
           <a:p>
             <a:fld id="{37EB6402-05E5-42B7-89F1-73D1DC343623}" type="datetimeFigureOut">
               <a:rPr lang="en-US" smtClean="0"/>
-              <a:t>8/19/2018</a:t>
+              <a:t>8/21/2018</a:t>
             </a:fld>
             <a:endParaRPr lang="en-US"/>
           </a:p>
@@ -1730,7 +1730,7 @@
           <a:p>
             <a:fld id="{37EB6402-05E5-42B7-89F1-73D1DC343623}" type="datetimeFigureOut">
               <a:rPr lang="en-US" smtClean="0"/>
-              <a:t>8/19/2018</a:t>
+              <a:t>8/21/2018</a:t>
             </a:fld>
             <a:endParaRPr lang="en-US"/>
           </a:p>
@@ -1825,7 +1825,7 @@
           <a:p>
             <a:fld id="{37EB6402-05E5-42B7-89F1-73D1DC343623}" type="datetimeFigureOut">
               <a:rPr lang="en-US" smtClean="0"/>
-              <a:t>8/19/2018</a:t>
+              <a:t>8/21/2018</a:t>
             </a:fld>
             <a:endParaRPr lang="en-US"/>
           </a:p>
@@ -2102,7 +2102,7 @@
           <a:p>
             <a:fld id="{37EB6402-05E5-42B7-89F1-73D1DC343623}" type="datetimeFigureOut">
               <a:rPr lang="en-US" smtClean="0"/>
-              <a:t>8/19/2018</a:t>
+              <a:t>8/21/2018</a:t>
             </a:fld>
             <a:endParaRPr lang="en-US"/>
           </a:p>
@@ -2359,7 +2359,7 @@
           <a:p>
             <a:fld id="{37EB6402-05E5-42B7-89F1-73D1DC343623}" type="datetimeFigureOut">
               <a:rPr lang="en-US" smtClean="0"/>
-              <a:t>8/19/2018</a:t>
+              <a:t>8/21/2018</a:t>
             </a:fld>
             <a:endParaRPr lang="en-US"/>
           </a:p>
@@ -2572,7 +2572,7 @@
           <a:p>
             <a:fld id="{37EB6402-05E5-42B7-89F1-73D1DC343623}" type="datetimeFigureOut">
               <a:rPr lang="en-US" smtClean="0"/>
-              <a:t>8/19/2018</a:t>
+              <a:t>8/21/2018</a:t>
             </a:fld>
             <a:endParaRPr lang="en-US"/>
           </a:p>
@@ -3026,8 +3026,8 @@
           </a:p>
         </p:txBody>
       </p:sp>
-      <mc:AlternateContent xmlns:mc="http://schemas.openxmlformats.org/markup-compatibility/2006">
-        <mc:Choice xmlns:a14="http://schemas.microsoft.com/office/drawing/2010/main" Requires="a14">
+      <mc:AlternateContent xmlns:mc="http://schemas.openxmlformats.org/markup-compatibility/2006" xmlns:a14="http://schemas.microsoft.com/office/drawing/2010/main">
+        <mc:Choice Requires="a14">
           <p:sp>
             <p:nvSpPr>
               <p:cNvPr id="4" name="TextBox 3">
@@ -3056,6 +3056,7 @@
               </a:bodyPr>
               <a:lstStyle/>
               <a:p>
+                <a:pPr/>
                 <a14:m>
                   <m:oMathPara xmlns:m="http://schemas.openxmlformats.org/officeDocument/2006/math">
                     <m:oMathParaPr>
@@ -3095,7 +3096,7 @@
             </p:txBody>
           </p:sp>
         </mc:Choice>
-        <mc:Fallback>
+        <mc:Fallback xmlns="">
           <p:sp>
             <p:nvSpPr>
               <p:cNvPr id="4" name="TextBox 3">
@@ -3226,8 +3227,8 @@
           </a:fontRef>
         </p:style>
       </p:cxnSp>
-      <mc:AlternateContent xmlns:mc="http://schemas.openxmlformats.org/markup-compatibility/2006">
-        <mc:Choice xmlns:a14="http://schemas.microsoft.com/office/drawing/2010/main" Requires="a14">
+      <mc:AlternateContent xmlns:mc="http://schemas.openxmlformats.org/markup-compatibility/2006" xmlns:a14="http://schemas.microsoft.com/office/drawing/2010/main">
+        <mc:Choice Requires="a14">
           <p:sp>
             <p:nvSpPr>
               <p:cNvPr id="41" name="TextBox 40">
@@ -3256,6 +3257,7 @@
               </a:bodyPr>
               <a:lstStyle/>
               <a:p>
+                <a:pPr/>
                 <a14:m>
                   <m:oMathPara xmlns:m="http://schemas.openxmlformats.org/officeDocument/2006/math">
                     <m:oMathParaPr>
@@ -3295,7 +3297,7 @@
             </p:txBody>
           </p:sp>
         </mc:Choice>
-        <mc:Fallback>
+        <mc:Fallback xmlns="">
           <p:sp>
             <p:nvSpPr>
               <p:cNvPr id="41" name="TextBox 40">
@@ -3395,8 +3397,8 @@
           </a:p>
         </p:txBody>
       </p:sp>
-      <mc:AlternateContent xmlns:mc="http://schemas.openxmlformats.org/markup-compatibility/2006">
-        <mc:Choice xmlns:a14="http://schemas.microsoft.com/office/drawing/2010/main" Requires="a14">
+      <mc:AlternateContent xmlns:mc="http://schemas.openxmlformats.org/markup-compatibility/2006" xmlns:a14="http://schemas.microsoft.com/office/drawing/2010/main">
+        <mc:Choice Requires="a14">
           <p:sp>
             <p:nvSpPr>
               <p:cNvPr id="47" name="TextBox 46">
@@ -3425,6 +3427,7 @@
               </a:bodyPr>
               <a:lstStyle/>
               <a:p>
+                <a:pPr/>
                 <a14:m>
                   <m:oMathPara xmlns:m="http://schemas.openxmlformats.org/officeDocument/2006/math">
                     <m:oMathParaPr>
@@ -3434,8 +3437,8 @@
                       <m:sSub>
                         <m:sSubPr>
                           <m:ctrlPr>
-                            <a:rPr lang="en-US" sz="2800">
-                              <a:latin typeface="+mj-lt"/>
+                            <a:rPr lang="en-US" sz="2800" i="1">
+                              <a:latin typeface="Cambria Math" panose="02040503050406030204" pitchFamily="18" charset="0"/>
                             </a:rPr>
                           </m:ctrlPr>
                         </m:sSubPr>
@@ -3445,18 +3448,9 @@
                               <m:sty m:val="p"/>
                             </m:rPr>
                             <a:rPr lang="en-US" sz="2800">
-                              <a:latin typeface="+mj-lt"/>
-                            </a:rPr>
-                            <m:t>A</m:t>
-                          </m:r>
-                          <m:r>
-                            <m:rPr>
-                              <m:sty m:val="p"/>
-                            </m:rPr>
-                            <a:rPr lang="en-US" sz="2800">
                               <a:latin typeface="Cambria Math" panose="02040503050406030204" pitchFamily="18" charset="0"/>
                             </a:rPr>
-                            <m:t>ctivation</m:t>
+                            <m:t>Activation</m:t>
                           </m:r>
                         </m:e>
                         <m:sub>
@@ -3465,7 +3459,7 @@
                               <m:sty m:val="p"/>
                             </m:rPr>
                             <a:rPr lang="en-US" sz="2800">
-                              <a:latin typeface="+mj-lt"/>
+                              <a:latin typeface="Cambria Math" panose="02040503050406030204" pitchFamily="18" charset="0"/>
                             </a:rPr>
                             <m:t>t</m:t>
                           </m:r>
@@ -3481,7 +3475,7 @@
             </p:txBody>
           </p:sp>
         </mc:Choice>
-        <mc:Fallback>
+        <mc:Fallback xmlns="">
           <p:sp>
             <p:nvSpPr>
               <p:cNvPr id="47" name="TextBox 46">
@@ -4015,7 +4009,7 @@
         <p:spPr>
           <a:xfrm>
             <a:off x="5689736" y="6513275"/>
-            <a:ext cx="1226170" cy="418128"/>
+            <a:ext cx="1104277" cy="369332"/>
           </a:xfrm>
           <a:prstGeom prst="rect">
             <a:avLst/>
@@ -4030,7 +4024,7 @@
           <a:p>
             <a:r>
               <a:rPr lang="en-US" dirty="0"/>
-              <a:t>Feature 3</a:t>
+              <a:t>Feature N</a:t>
             </a:r>
           </a:p>
         </p:txBody>
@@ -4957,7 +4951,7 @@
         <p:spPr>
           <a:xfrm>
             <a:off x="5689736" y="6932375"/>
-            <a:ext cx="1226170" cy="418128"/>
+            <a:ext cx="1104277" cy="369332"/>
           </a:xfrm>
           <a:prstGeom prst="rect">
             <a:avLst/>
@@ -4972,7 +4966,7 @@
           <a:p>
             <a:r>
               <a:rPr lang="en-US" dirty="0"/>
-              <a:t>Feature 3</a:t>
+              <a:t>Feature N</a:t>
             </a:r>
           </a:p>
         </p:txBody>
@@ -5844,7 +5838,7 @@
         <p:spPr>
           <a:xfrm>
             <a:off x="4965836" y="6956174"/>
-            <a:ext cx="1226170" cy="418128"/>
+            <a:ext cx="1104277" cy="369332"/>
           </a:xfrm>
           <a:prstGeom prst="rect">
             <a:avLst/>
@@ -5859,7 +5853,7 @@
           <a:p>
             <a:r>
               <a:rPr lang="en-US" dirty="0"/>
-              <a:t>Feature 3</a:t>
+              <a:t>Feature N</a:t>
             </a:r>
           </a:p>
         </p:txBody>
